--- a/Slide/DigitalInkMiniGameNotifiche.pptx
+++ b/Slide/DigitalInkMiniGameNotifiche.pptx
@@ -25,14 +25,15 @@
     <p:sldId id="271" r:id="rId22"/>
     <p:sldId id="272" r:id="rId23"/>
     <p:sldId id="273" r:id="rId24"/>
-    <p:sldId id="274" r:id="rId25"/>
-    <p:sldId id="275" r:id="rId26"/>
-    <p:sldId id="276" r:id="rId27"/>
-    <p:sldId id="277" r:id="rId28"/>
-    <p:sldId id="278" r:id="rId29"/>
-    <p:sldId id="281" r:id="rId30"/>
-    <p:sldId id="282" r:id="rId31"/>
-    <p:sldId id="283" r:id="rId32"/>
+    <p:sldId id="286" r:id="rId25"/>
+    <p:sldId id="274" r:id="rId26"/>
+    <p:sldId id="275" r:id="rId27"/>
+    <p:sldId id="276" r:id="rId28"/>
+    <p:sldId id="277" r:id="rId29"/>
+    <p:sldId id="278" r:id="rId30"/>
+    <p:sldId id="281" r:id="rId31"/>
+    <p:sldId id="282" r:id="rId32"/>
+    <p:sldId id="283" r:id="rId33"/>
   </p:sldIdLst>
   <p:sldSz cx="9144000" cy="6858000" type="screen4x3"/>
   <p:notesSz cx="6858000" cy="9144000"/>
@@ -804,7 +805,7 @@
           <a:p>
             <a:fld id="{3D879769-3978-49F5-A8F0-63B0CD0DBFCD}" type="datetime1">
               <a:rPr lang="it-IT" smtClean="0"/>
-              <a:t>17/06/2021</a:t>
+              <a:t>24/06/2021</a:t>
             </a:fld>
             <a:endParaRPr lang="it-IT"/>
           </a:p>
@@ -1033,7 +1034,7 @@
           <a:p>
             <a:fld id="{B676431C-B002-4165-B42A-0E7F7930A3D2}" type="datetime1">
               <a:rPr lang="it-IT" smtClean="0"/>
-              <a:t>17/06/2021</a:t>
+              <a:t>24/06/2021</a:t>
             </a:fld>
             <a:endParaRPr lang="it-IT" dirty="0"/>
           </a:p>
@@ -1398,7 +1399,7 @@
           <a:p>
             <a:fld id="{B676431C-B002-4165-B42A-0E7F7930A3D2}" type="datetime1">
               <a:rPr lang="it-IT" smtClean="0"/>
-              <a:t>17/06/2021</a:t>
+              <a:t>24/06/2021</a:t>
             </a:fld>
             <a:endParaRPr lang="it-IT"/>
           </a:p>
@@ -1457,7 +1458,7 @@
           <a:p>
             <a:fld id="{B8965647-9F98-4F3B-BE46-7CDECE950A8D}" type="datetime1">
               <a:rPr lang="it-IT" smtClean="0"/>
-              <a:t>17/06/2021</a:t>
+              <a:t>24/06/2021</a:t>
             </a:fld>
             <a:endParaRPr lang="it-IT"/>
           </a:p>
@@ -1743,7 +1744,7 @@
           <a:p>
             <a:fld id="{782F8B32-FABF-422D-89BB-9239702D2D84}" type="datetime1">
               <a:rPr lang="it-IT" smtClean="0"/>
-              <a:t>17/06/2021</a:t>
+              <a:t>24/06/2021</a:t>
             </a:fld>
             <a:endParaRPr lang="it-IT"/>
           </a:p>
@@ -1959,7 +1960,7 @@
           <a:p>
             <a:fld id="{B8965647-9F98-4F3B-BE46-7CDECE950A8D}" type="datetime1">
               <a:rPr lang="it-IT" smtClean="0"/>
-              <a:t>17/06/2021</a:t>
+              <a:t>24/06/2021</a:t>
             </a:fld>
             <a:endParaRPr lang="it-IT"/>
           </a:p>
@@ -2484,7 +2485,7 @@
           <a:p>
             <a:fld id="{B676431C-B002-4165-B42A-0E7F7930A3D2}" type="datetime1">
               <a:rPr lang="it-IT" smtClean="0"/>
-              <a:t>17/06/2021</a:t>
+              <a:t>24/06/2021</a:t>
             </a:fld>
             <a:endParaRPr lang="it-IT" dirty="0"/>
           </a:p>
@@ -2686,7 +2687,7 @@
           <a:p>
             <a:fld id="{B676431C-B002-4165-B42A-0E7F7930A3D2}" type="datetime1">
               <a:rPr lang="it-IT" smtClean="0"/>
-              <a:t>17/06/2021</a:t>
+              <a:t>24/06/2021</a:t>
             </a:fld>
             <a:endParaRPr lang="it-IT" dirty="0"/>
           </a:p>
@@ -2897,7 +2898,7 @@
           <a:p>
             <a:fld id="{B676431C-B002-4165-B42A-0E7F7930A3D2}" type="datetime1">
               <a:rPr lang="it-IT" smtClean="0"/>
-              <a:t>17/06/2021</a:t>
+              <a:t>24/06/2021</a:t>
             </a:fld>
             <a:endParaRPr lang="it-IT" dirty="0"/>
           </a:p>
@@ -3397,7 +3398,7 @@
           <a:p>
             <a:fld id="{B676431C-B002-4165-B42A-0E7F7930A3D2}" type="datetime1">
               <a:rPr lang="it-IT" smtClean="0"/>
-              <a:t>17/06/2021</a:t>
+              <a:t>24/06/2021</a:t>
             </a:fld>
             <a:endParaRPr lang="it-IT" dirty="0"/>
           </a:p>
@@ -6166,7 +6167,7 @@
           <a:p>
             <a:fld id="{B676431C-B002-4165-B42A-0E7F7930A3D2}" type="datetime1">
               <a:rPr lang="it-IT" smtClean="0"/>
-              <a:t>17/06/2021</a:t>
+              <a:t>24/06/2021</a:t>
             </a:fld>
             <a:endParaRPr lang="it-IT" dirty="0"/>
           </a:p>
@@ -8113,7 +8114,7 @@
           <a:p>
             <a:fld id="{B676431C-B002-4165-B42A-0E7F7930A3D2}" type="datetime1">
               <a:rPr lang="it-IT" smtClean="0"/>
-              <a:t>17/06/2021</a:t>
+              <a:t>24/06/2021</a:t>
             </a:fld>
             <a:endParaRPr lang="it-IT" dirty="0"/>
           </a:p>
@@ -8331,7 +8332,7 @@
           <a:p>
             <a:fld id="{B676431C-B002-4165-B42A-0E7F7930A3D2}" type="datetime1">
               <a:rPr lang="it-IT" smtClean="0"/>
-              <a:t>17/06/2021</a:t>
+              <a:t>24/06/2021</a:t>
             </a:fld>
             <a:endParaRPr lang="it-IT" dirty="0"/>
           </a:p>
@@ -10328,7 +10329,7 @@
           <a:p>
             <a:fld id="{B676431C-B002-4165-B42A-0E7F7930A3D2}" type="datetime1">
               <a:rPr lang="it-IT" smtClean="0"/>
-              <a:t>17/06/2021</a:t>
+              <a:t>24/06/2021</a:t>
             </a:fld>
             <a:endParaRPr lang="it-IT" dirty="0"/>
           </a:p>
@@ -12495,7 +12496,7 @@
           <a:p>
             <a:fld id="{B676431C-B002-4165-B42A-0E7F7930A3D2}" type="datetime1">
               <a:rPr lang="it-IT" smtClean="0"/>
-              <a:t>17/06/2021</a:t>
+              <a:t>24/06/2021</a:t>
             </a:fld>
             <a:endParaRPr lang="it-IT" dirty="0"/>
           </a:p>
@@ -12739,7 +12740,7 @@
           <a:p>
             <a:fld id="{B676431C-B002-4165-B42A-0E7F7930A3D2}" type="datetime1">
               <a:rPr lang="it-IT" smtClean="0"/>
-              <a:t>17/06/2021</a:t>
+              <a:t>24/06/2021</a:t>
             </a:fld>
             <a:endParaRPr lang="it-IT" dirty="0"/>
           </a:p>
@@ -14813,7 +14814,7 @@
           <a:p>
             <a:fld id="{B676431C-B002-4165-B42A-0E7F7930A3D2}" type="datetime1">
               <a:rPr lang="it-IT" smtClean="0"/>
-              <a:t>17/06/2021</a:t>
+              <a:t>24/06/2021</a:t>
             </a:fld>
             <a:endParaRPr lang="it-IT" dirty="0"/>
           </a:p>
@@ -17015,7 +17016,7 @@
           <a:p>
             <a:fld id="{B676431C-B002-4165-B42A-0E7F7930A3D2}" type="datetime1">
               <a:rPr lang="it-IT" smtClean="0"/>
-              <a:t>17/06/2021</a:t>
+              <a:t>24/06/2021</a:t>
             </a:fld>
             <a:endParaRPr lang="it-IT" dirty="0"/>
           </a:p>
@@ -17100,14 +17101,13 @@
               </a:ext>
             </a:extLst>
           </a:blip>
-          <a:stretch>
-            <a:fillRect/>
-          </a:stretch>
+          <a:srcRect/>
+          <a:stretch/>
         </p:blipFill>
         <p:spPr>
           <a:xfrm>
             <a:off x="524083" y="1143001"/>
-            <a:ext cx="2394964" cy="5126345"/>
+            <a:ext cx="2394964" cy="5126344"/>
           </a:xfrm>
           <a:prstGeom prst="rect">
             <a:avLst/>
@@ -17265,7 +17265,7 @@
           <a:p>
             <a:fld id="{B676431C-B002-4165-B42A-0E7F7930A3D2}" type="datetime1">
               <a:rPr lang="it-IT" smtClean="0"/>
-              <a:t>17/06/2021</a:t>
+              <a:t>24/06/2021</a:t>
             </a:fld>
             <a:endParaRPr lang="it-IT" dirty="0"/>
           </a:p>
@@ -19090,6 +19090,214 @@
           <p:cNvPr id="2" name="Titolo 1">
             <a:extLst>
               <a:ext uri="{FF2B5EF4-FFF2-40B4-BE49-F238E27FC236}">
+                <a16:creationId xmlns:a16="http://schemas.microsoft.com/office/drawing/2014/main" id="{40429E0A-A3B2-4916-B0DB-C4D992A84B08}"/>
+              </a:ext>
+            </a:extLst>
+          </p:cNvPr>
+          <p:cNvSpPr>
+            <a:spLocks noGrp="1"/>
+          </p:cNvSpPr>
+          <p:nvPr>
+            <p:ph type="title"/>
+          </p:nvPr>
+        </p:nvSpPr>
+        <p:spPr/>
+        <p:txBody>
+          <a:bodyPr/>
+          <a:lstStyle/>
+          <a:p>
+            <a:r>
+              <a:rPr lang="it-IT" dirty="0" err="1"/>
+              <a:t>Whiteboard</a:t>
+            </a:r>
+            <a:endParaRPr lang="it-IT" dirty="0"/>
+          </a:p>
+        </p:txBody>
+      </p:sp>
+      <p:sp>
+        <p:nvSpPr>
+          <p:cNvPr id="3" name="Segnaposto piè di pagina 2">
+            <a:extLst>
+              <a:ext uri="{FF2B5EF4-FFF2-40B4-BE49-F238E27FC236}">
+                <a16:creationId xmlns:a16="http://schemas.microsoft.com/office/drawing/2014/main" id="{0DCDF4A3-CBAB-491F-9F70-C3EF34EBFE75}"/>
+              </a:ext>
+            </a:extLst>
+          </p:cNvPr>
+          <p:cNvSpPr>
+            <a:spLocks noGrp="1"/>
+          </p:cNvSpPr>
+          <p:nvPr>
+            <p:ph type="ftr" sz="quarter" idx="11"/>
+          </p:nvPr>
+        </p:nvSpPr>
+        <p:spPr/>
+        <p:txBody>
+          <a:bodyPr/>
+          <a:lstStyle/>
+          <a:p>
+            <a:r>
+              <a:rPr lang="it-IT"/>
+              <a:t>Mobile Programming 2021</a:t>
+            </a:r>
+            <a:endParaRPr lang="it-IT" dirty="0"/>
+          </a:p>
+        </p:txBody>
+      </p:sp>
+      <p:sp>
+        <p:nvSpPr>
+          <p:cNvPr id="4" name="Segnaposto numero diapositiva 3">
+            <a:extLst>
+              <a:ext uri="{FF2B5EF4-FFF2-40B4-BE49-F238E27FC236}">
+                <a16:creationId xmlns:a16="http://schemas.microsoft.com/office/drawing/2014/main" id="{F5F78031-0AB7-44AB-BE05-A827113D666C}"/>
+              </a:ext>
+            </a:extLst>
+          </p:cNvPr>
+          <p:cNvSpPr>
+            <a:spLocks noGrp="1"/>
+          </p:cNvSpPr>
+          <p:nvPr>
+            <p:ph type="sldNum" sz="quarter" idx="12"/>
+          </p:nvPr>
+        </p:nvSpPr>
+        <p:spPr/>
+        <p:txBody>
+          <a:bodyPr/>
+          <a:lstStyle/>
+          <a:p>
+            <a:fld id="{645066F0-4D30-4799-9F72-EBBB480C828E}" type="slidenum">
+              <a:rPr lang="it-IT" smtClean="0"/>
+              <a:t>21</a:t>
+            </a:fld>
+            <a:endParaRPr lang="it-IT"/>
+          </a:p>
+        </p:txBody>
+      </p:sp>
+      <p:sp>
+        <p:nvSpPr>
+          <p:cNvPr id="5" name="Segnaposto data 4">
+            <a:extLst>
+              <a:ext uri="{FF2B5EF4-FFF2-40B4-BE49-F238E27FC236}">
+                <a16:creationId xmlns:a16="http://schemas.microsoft.com/office/drawing/2014/main" id="{357AD16A-ABF7-4560-8EA6-7124B6C9E30A}"/>
+              </a:ext>
+            </a:extLst>
+          </p:cNvPr>
+          <p:cNvSpPr>
+            <a:spLocks noGrp="1"/>
+          </p:cNvSpPr>
+          <p:nvPr>
+            <p:ph type="dt" sz="half" idx="10"/>
+          </p:nvPr>
+        </p:nvSpPr>
+        <p:spPr/>
+        <p:txBody>
+          <a:bodyPr/>
+          <a:lstStyle/>
+          <a:p>
+            <a:fld id="{B676431C-B002-4165-B42A-0E7F7930A3D2}" type="datetime1">
+              <a:rPr lang="it-IT" smtClean="0"/>
+              <a:t>24/06/2021</a:t>
+            </a:fld>
+            <a:endParaRPr lang="it-IT" dirty="0"/>
+          </a:p>
+        </p:txBody>
+      </p:sp>
+      <p:sp>
+        <p:nvSpPr>
+          <p:cNvPr id="6" name="Segnaposto testo 5">
+            <a:extLst>
+              <a:ext uri="{FF2B5EF4-FFF2-40B4-BE49-F238E27FC236}">
+                <a16:creationId xmlns:a16="http://schemas.microsoft.com/office/drawing/2014/main" id="{6A0A855F-8D68-488A-90A4-0EAAE8EBEAE2}"/>
+              </a:ext>
+            </a:extLst>
+          </p:cNvPr>
+          <p:cNvSpPr>
+            <a:spLocks noGrp="1"/>
+          </p:cNvSpPr>
+          <p:nvPr>
+            <p:ph type="body" sz="quarter" idx="13"/>
+          </p:nvPr>
+        </p:nvSpPr>
+        <p:spPr/>
+        <p:txBody>
+          <a:bodyPr/>
+          <a:lstStyle/>
+          <a:p>
+            <a:r>
+              <a:rPr lang="it-IT" dirty="0"/>
+              <a:t>Una </a:t>
+            </a:r>
+            <a:r>
+              <a:rPr lang="it-IT" dirty="0" err="1"/>
+              <a:t>Whiteboard</a:t>
+            </a:r>
+            <a:r>
+              <a:rPr lang="it-IT" dirty="0"/>
+              <a:t> offre anche un metodo </a:t>
+            </a:r>
+            <a:r>
+              <a:rPr lang="it-IT" dirty="0" err="1"/>
+              <a:t>temporarySave</a:t>
+            </a:r>
+            <a:r>
+              <a:rPr lang="it-IT"/>
+              <a:t>  </a:t>
+            </a:r>
+            <a:r>
+              <a:rPr lang="it-IT" dirty="0"/>
+              <a:t>per il salvataggio in un file in cache da utilizzare per una bufferizzazione temporanea della </a:t>
+            </a:r>
+            <a:r>
+              <a:rPr lang="it-IT" dirty="0" err="1"/>
+              <a:t>whiteboard</a:t>
+            </a:r>
+            <a:r>
+              <a:rPr lang="it-IT" dirty="0"/>
+              <a:t>. </a:t>
+            </a:r>
+          </a:p>
+          <a:p>
+            <a:r>
+              <a:rPr lang="it-IT" dirty="0"/>
+              <a:t>Il metodo utilizza gli stessi meccanismi descritti precedentemente per il salvataggio ma crea l’uri nella cache del dispositivo e restituisce l’uri corrispondente al file creato</a:t>
+            </a:r>
+          </a:p>
+        </p:txBody>
+      </p:sp>
+    </p:spTree>
+    <p:extLst>
+      <p:ext uri="{BB962C8B-B14F-4D97-AF65-F5344CB8AC3E}">
+        <p14:creationId xmlns:p14="http://schemas.microsoft.com/office/powerpoint/2010/main" val="3309605274"/>
+      </p:ext>
+    </p:extLst>
+  </p:cSld>
+  <p:clrMapOvr>
+    <a:masterClrMapping/>
+  </p:clrMapOvr>
+</p:sld>
+</file>
+
+<file path=ppt/slides/slide22.xml><?xml version="1.0" encoding="utf-8"?>
+<p:sld xmlns:a="http://schemas.openxmlformats.org/drawingml/2006/main" xmlns:r="http://schemas.openxmlformats.org/officeDocument/2006/relationships" xmlns:p="http://schemas.openxmlformats.org/presentationml/2006/main">
+  <p:cSld>
+    <p:spTree>
+      <p:nvGrpSpPr>
+        <p:cNvPr id="1" name=""/>
+        <p:cNvGrpSpPr/>
+        <p:nvPr/>
+      </p:nvGrpSpPr>
+      <p:grpSpPr>
+        <a:xfrm>
+          <a:off x="0" y="0"/>
+          <a:ext cx="0" cy="0"/>
+          <a:chOff x="0" y="0"/>
+          <a:chExt cx="0" cy="0"/>
+        </a:xfrm>
+      </p:grpSpPr>
+      <p:sp>
+        <p:nvSpPr>
+          <p:cNvPr id="2" name="Titolo 1">
+            <a:extLst>
+              <a:ext uri="{FF2B5EF4-FFF2-40B4-BE49-F238E27FC236}">
                 <a16:creationId xmlns:a16="http://schemas.microsoft.com/office/drawing/2014/main" id="{9214485D-1D96-43B1-832B-006A325A04F9}"/>
               </a:ext>
             </a:extLst>
@@ -19166,7 +19374,7 @@
           <a:p>
             <a:fld id="{645066F0-4D30-4799-9F72-EBBB480C828E}" type="slidenum">
               <a:rPr lang="it-IT" smtClean="0"/>
-              <a:t>21</a:t>
+              <a:t>22</a:t>
             </a:fld>
             <a:endParaRPr lang="it-IT"/>
           </a:p>
@@ -19195,7 +19403,7 @@
           <a:p>
             <a:fld id="{B676431C-B002-4165-B42A-0E7F7930A3D2}" type="datetime1">
               <a:rPr lang="it-IT" smtClean="0"/>
-              <a:t>17/06/2021</a:t>
+              <a:t>24/06/2021</a:t>
             </a:fld>
             <a:endParaRPr lang="it-IT" dirty="0"/>
           </a:p>
@@ -19327,7 +19535,7 @@
 </p:sld>
 </file>
 
-<file path=ppt/slides/slide22.xml><?xml version="1.0" encoding="utf-8"?>
+<file path=ppt/slides/slide23.xml><?xml version="1.0" encoding="utf-8"?>
 <p:sld xmlns:a="http://schemas.openxmlformats.org/drawingml/2006/main" xmlns:r="http://schemas.openxmlformats.org/officeDocument/2006/relationships" xmlns:p="http://schemas.openxmlformats.org/presentationml/2006/main">
   <p:cSld>
     <p:spTree>
@@ -19425,7 +19633,7 @@
           <a:p>
             <a:fld id="{645066F0-4D30-4799-9F72-EBBB480C828E}" type="slidenum">
               <a:rPr lang="it-IT" smtClean="0"/>
-              <a:t>22</a:t>
+              <a:t>23</a:t>
             </a:fld>
             <a:endParaRPr lang="it-IT"/>
           </a:p>
@@ -19454,7 +19662,7 @@
           <a:p>
             <a:fld id="{B676431C-B002-4165-B42A-0E7F7930A3D2}" type="datetime1">
               <a:rPr lang="it-IT" smtClean="0"/>
-              <a:t>17/06/2021</a:t>
+              <a:t>24/06/2021</a:t>
             </a:fld>
             <a:endParaRPr lang="it-IT" dirty="0"/>
           </a:p>
@@ -19774,7 +19982,7 @@
 </p:sld>
 </file>
 
-<file path=ppt/slides/slide23.xml><?xml version="1.0" encoding="utf-8"?>
+<file path=ppt/slides/slide24.xml><?xml version="1.0" encoding="utf-8"?>
 <p:sld xmlns:a="http://schemas.openxmlformats.org/drawingml/2006/main" xmlns:r="http://schemas.openxmlformats.org/officeDocument/2006/relationships" xmlns:p="http://schemas.openxmlformats.org/presentationml/2006/main">
   <p:cSld>
     <p:spTree>
@@ -19872,7 +20080,7 @@
           <a:p>
             <a:fld id="{645066F0-4D30-4799-9F72-EBBB480C828E}" type="slidenum">
               <a:rPr lang="it-IT" smtClean="0"/>
-              <a:t>23</a:t>
+              <a:t>24</a:t>
             </a:fld>
             <a:endParaRPr lang="it-IT"/>
           </a:p>
@@ -19901,7 +20109,7 @@
           <a:p>
             <a:fld id="{B676431C-B002-4165-B42A-0E7F7930A3D2}" type="datetime1">
               <a:rPr lang="it-IT" smtClean="0"/>
-              <a:t>17/06/2021</a:t>
+              <a:t>24/06/2021</a:t>
             </a:fld>
             <a:endParaRPr lang="it-IT" dirty="0"/>
           </a:p>
@@ -20284,7 +20492,7 @@
 </p:sld>
 </file>
 
-<file path=ppt/slides/slide24.xml><?xml version="1.0" encoding="utf-8"?>
+<file path=ppt/slides/slide25.xml><?xml version="1.0" encoding="utf-8"?>
 <p:sld xmlns:a="http://schemas.openxmlformats.org/drawingml/2006/main" xmlns:r="http://schemas.openxmlformats.org/officeDocument/2006/relationships" xmlns:p="http://schemas.openxmlformats.org/presentationml/2006/main">
   <p:cSld>
     <p:spTree>
@@ -20382,7 +20590,7 @@
           <a:p>
             <a:fld id="{645066F0-4D30-4799-9F72-EBBB480C828E}" type="slidenum">
               <a:rPr lang="it-IT" smtClean="0"/>
-              <a:t>24</a:t>
+              <a:t>25</a:t>
             </a:fld>
             <a:endParaRPr lang="it-IT"/>
           </a:p>
@@ -20411,7 +20619,7 @@
           <a:p>
             <a:fld id="{B676431C-B002-4165-B42A-0E7F7930A3D2}" type="datetime1">
               <a:rPr lang="it-IT" smtClean="0"/>
-              <a:t>17/06/2021</a:t>
+              <a:t>24/06/2021</a:t>
             </a:fld>
             <a:endParaRPr lang="it-IT" dirty="0"/>
           </a:p>
@@ -20506,7 +20714,7 @@
 </p:sld>
 </file>
 
-<file path=ppt/slides/slide25.xml><?xml version="1.0" encoding="utf-8"?>
+<file path=ppt/slides/slide26.xml><?xml version="1.0" encoding="utf-8"?>
 <p:sld xmlns:a="http://schemas.openxmlformats.org/drawingml/2006/main" xmlns:r="http://schemas.openxmlformats.org/officeDocument/2006/relationships" xmlns:p="http://schemas.openxmlformats.org/presentationml/2006/main">
   <p:cSld>
     <p:spTree>
@@ -20604,7 +20812,7 @@
           <a:p>
             <a:fld id="{645066F0-4D30-4799-9F72-EBBB480C828E}" type="slidenum">
               <a:rPr lang="it-IT" smtClean="0"/>
-              <a:t>25</a:t>
+              <a:t>26</a:t>
             </a:fld>
             <a:endParaRPr lang="it-IT"/>
           </a:p>
@@ -20633,7 +20841,7 @@
           <a:p>
             <a:fld id="{B676431C-B002-4165-B42A-0E7F7930A3D2}" type="datetime1">
               <a:rPr lang="it-IT" smtClean="0"/>
-              <a:t>17/06/2021</a:t>
+              <a:t>24/06/2021</a:t>
             </a:fld>
             <a:endParaRPr lang="it-IT" dirty="0"/>
           </a:p>
@@ -20750,7 +20958,7 @@
 </p:sld>
 </file>
 
-<file path=ppt/slides/slide26.xml><?xml version="1.0" encoding="utf-8"?>
+<file path=ppt/slides/slide27.xml><?xml version="1.0" encoding="utf-8"?>
 <p:sld xmlns:a="http://schemas.openxmlformats.org/drawingml/2006/main" xmlns:r="http://schemas.openxmlformats.org/officeDocument/2006/relationships" xmlns:p="http://schemas.openxmlformats.org/presentationml/2006/main">
   <p:cSld>
     <p:spTree>
@@ -20847,7 +21055,7 @@
           <a:p>
             <a:fld id="{645066F0-4D30-4799-9F72-EBBB480C828E}" type="slidenum">
               <a:rPr lang="it-IT" smtClean="0"/>
-              <a:t>26</a:t>
+              <a:t>27</a:t>
             </a:fld>
             <a:endParaRPr lang="it-IT"/>
           </a:p>
@@ -20876,7 +21084,7 @@
           <a:p>
             <a:fld id="{B676431C-B002-4165-B42A-0E7F7930A3D2}" type="datetime1">
               <a:rPr lang="it-IT" smtClean="0"/>
-              <a:t>17/06/2021</a:t>
+              <a:t>24/06/2021</a:t>
             </a:fld>
             <a:endParaRPr lang="it-IT" dirty="0"/>
           </a:p>
@@ -20988,7 +21196,7 @@
 </p:sld>
 </file>
 
-<file path=ppt/slides/slide27.xml><?xml version="1.0" encoding="utf-8"?>
+<file path=ppt/slides/slide28.xml><?xml version="1.0" encoding="utf-8"?>
 <p:sld xmlns:a="http://schemas.openxmlformats.org/drawingml/2006/main" xmlns:r="http://schemas.openxmlformats.org/officeDocument/2006/relationships" xmlns:p="http://schemas.openxmlformats.org/presentationml/2006/main">
   <p:cSld>
     <p:spTree>
@@ -21086,7 +21294,7 @@
           <a:p>
             <a:fld id="{645066F0-4D30-4799-9F72-EBBB480C828E}" type="slidenum">
               <a:rPr lang="it-IT" smtClean="0"/>
-              <a:t>27</a:t>
+              <a:t>28</a:t>
             </a:fld>
             <a:endParaRPr lang="it-IT"/>
           </a:p>
@@ -21115,7 +21323,7 @@
           <a:p>
             <a:fld id="{B676431C-B002-4165-B42A-0E7F7930A3D2}" type="datetime1">
               <a:rPr lang="it-IT" smtClean="0"/>
-              <a:t>17/06/2021</a:t>
+              <a:t>24/06/2021</a:t>
             </a:fld>
             <a:endParaRPr lang="it-IT" dirty="0"/>
           </a:p>
@@ -21170,7 +21378,7 @@
 </p:sld>
 </file>
 
-<file path=ppt/slides/slide28.xml><?xml version="1.0" encoding="utf-8"?>
+<file path=ppt/slides/slide29.xml><?xml version="1.0" encoding="utf-8"?>
 <p:sld xmlns:a="http://schemas.openxmlformats.org/drawingml/2006/main" xmlns:r="http://schemas.openxmlformats.org/officeDocument/2006/relationships" xmlns:p="http://schemas.openxmlformats.org/presentationml/2006/main">
   <p:cSld>
     <p:spTree>
@@ -21267,7 +21475,7 @@
           <a:p>
             <a:fld id="{645066F0-4D30-4799-9F72-EBBB480C828E}" type="slidenum">
               <a:rPr lang="it-IT" smtClean="0"/>
-              <a:t>28</a:t>
+              <a:t>29</a:t>
             </a:fld>
             <a:endParaRPr lang="it-IT"/>
           </a:p>
@@ -21296,7 +21504,7 @@
           <a:p>
             <a:fld id="{B676431C-B002-4165-B42A-0E7F7930A3D2}" type="datetime1">
               <a:rPr lang="it-IT" smtClean="0"/>
-              <a:t>17/06/2021</a:t>
+              <a:t>24/06/2021</a:t>
             </a:fld>
             <a:endParaRPr lang="it-IT" dirty="0"/>
           </a:p>
@@ -21539,7 +21747,7 @@
           <a:p>
             <a:fld id="{B676431C-B002-4165-B42A-0E7F7930A3D2}" type="datetime1">
               <a:rPr lang="it-IT" smtClean="0"/>
-              <a:t>17/06/2021</a:t>
+              <a:t>24/06/2021</a:t>
             </a:fld>
             <a:endParaRPr lang="it-IT" dirty="0"/>
           </a:p>
@@ -21771,7 +21979,7 @@
           <a:p>
             <a:fld id="{B676431C-B002-4165-B42A-0E7F7930A3D2}" type="datetime1">
               <a:rPr lang="it-IT" smtClean="0"/>
-              <a:t>17/06/2021</a:t>
+              <a:t>24/06/2021</a:t>
             </a:fld>
             <a:endParaRPr lang="it-IT" dirty="0"/>
           </a:p>
@@ -22011,7 +22219,7 @@
           <a:p>
             <a:fld id="{B676431C-B002-4165-B42A-0E7F7930A3D2}" type="datetime1">
               <a:rPr lang="it-IT" smtClean="0"/>
-              <a:t>17/06/2021</a:t>
+              <a:t>24/06/2021</a:t>
             </a:fld>
             <a:endParaRPr lang="it-IT" dirty="0"/>
           </a:p>
@@ -22252,7 +22460,7 @@
           <a:p>
             <a:fld id="{B676431C-B002-4165-B42A-0E7F7930A3D2}" type="datetime1">
               <a:rPr lang="it-IT" smtClean="0"/>
-              <a:t>17/06/2021</a:t>
+              <a:t>24/06/2021</a:t>
             </a:fld>
             <a:endParaRPr lang="it-IT" dirty="0"/>
           </a:p>
@@ -22481,7 +22689,7 @@
           <a:p>
             <a:fld id="{B676431C-B002-4165-B42A-0E7F7930A3D2}" type="datetime1">
               <a:rPr lang="it-IT" smtClean="0"/>
-              <a:t>17/06/2021</a:t>
+              <a:t>24/06/2021</a:t>
             </a:fld>
             <a:endParaRPr lang="it-IT" dirty="0"/>
           </a:p>
@@ -22579,14 +22787,13 @@
               </a:ext>
             </a:extLst>
           </a:blip>
-          <a:stretch>
-            <a:fillRect/>
-          </a:stretch>
+          <a:srcRect/>
+          <a:stretch/>
         </p:blipFill>
         <p:spPr>
           <a:xfrm>
             <a:off x="1118587" y="1239681"/>
-            <a:ext cx="2338506" cy="5005497"/>
+            <a:ext cx="2338505" cy="5005497"/>
           </a:xfrm>
           <a:prstGeom prst="rect">
             <a:avLst/>
@@ -22745,7 +22952,7 @@
           <a:p>
             <a:fld id="{B676431C-B002-4165-B42A-0E7F7930A3D2}" type="datetime1">
               <a:rPr lang="it-IT" smtClean="0"/>
-              <a:t>17/06/2021</a:t>
+              <a:t>24/06/2021</a:t>
             </a:fld>
             <a:endParaRPr lang="it-IT" dirty="0"/>
           </a:p>
@@ -22965,7 +23172,7 @@
           <a:p>
             <a:fld id="{B676431C-B002-4165-B42A-0E7F7930A3D2}" type="datetime1">
               <a:rPr lang="it-IT" smtClean="0"/>
-              <a:t>17/06/2021</a:t>
+              <a:t>24/06/2021</a:t>
             </a:fld>
             <a:endParaRPr lang="it-IT" dirty="0"/>
           </a:p>
@@ -23290,15 +23497,6 @@
 </file>
 
 <file path=customXml/item1.xml><?xml version="1.0" encoding="utf-8"?>
-<?mso-contentType ?>
-<FormTemplates xmlns="http://schemas.microsoft.com/sharepoint/v3/contenttype/forms">
-  <Display>DocumentLibraryForm</Display>
-  <Edit>DocumentLibraryForm</Edit>
-  <New>DocumentLibraryForm</New>
-</FormTemplates>
-</file>
-
-<file path=customXml/item2.xml><?xml version="1.0" encoding="utf-8"?>
 <ct:contentTypeSchema xmlns:ct="http://schemas.microsoft.com/office/2006/metadata/contentType" xmlns:ma="http://schemas.microsoft.com/office/2006/metadata/properties/metaAttributes" ct:_="" ma:_="" ma:contentTypeName="Documento" ma:contentTypeID="0x010100FEC235982B21BD4799EB2D1225EE75B3" ma:contentTypeVersion="3" ma:contentTypeDescription="Creare un nuovo documento." ma:contentTypeScope="" ma:versionID="2b236644812c200386af6e3c1d1a332e">
   <xsd:schema xmlns:xsd="http://www.w3.org/2001/XMLSchema" xmlns:xs="http://www.w3.org/2001/XMLSchema" xmlns:p="http://schemas.microsoft.com/office/2006/metadata/properties" xmlns:ns2="bfa65c32-7bbb-4785-abd8-3c11c84fb49f" targetNamespace="http://schemas.microsoft.com/office/2006/metadata/properties" ma:root="true" ma:fieldsID="a47e8fad2e8eb954d83e6663abec1f4b" ns2:_="">
     <xsd:import namespace="bfa65c32-7bbb-4785-abd8-3c11c84fb49f"/>
@@ -23436,6 +23634,15 @@
 </ct:contentTypeSchema>
 </file>
 
+<file path=customXml/item2.xml><?xml version="1.0" encoding="utf-8"?>
+<?mso-contentType ?>
+<FormTemplates xmlns="http://schemas.microsoft.com/sharepoint/v3/contenttype/forms">
+  <Display>DocumentLibraryForm</Display>
+  <Edit>DocumentLibraryForm</Edit>
+  <New>DocumentLibraryForm</New>
+</FormTemplates>
+</file>
+
 <file path=customXml/item3.xml><?xml version="1.0" encoding="utf-8"?>
 <p:properties xmlns:p="http://schemas.microsoft.com/office/2006/metadata/properties" xmlns:xsi="http://www.w3.org/2001/XMLSchema-instance" xmlns:pc="http://schemas.microsoft.com/office/infopath/2007/PartnerControls">
   <documentManagement/>
@@ -23443,14 +23650,6 @@
 </file>
 
 <file path=customXml/itemProps1.xml><?xml version="1.0" encoding="utf-8"?>
-<ds:datastoreItem xmlns:ds="http://schemas.openxmlformats.org/officeDocument/2006/customXml" ds:itemID="{7F6FC0EA-AE4A-4118-A4DA-68A67AAF9DBA}">
-  <ds:schemaRefs>
-    <ds:schemaRef ds:uri="http://schemas.microsoft.com/sharepoint/v3/contenttype/forms"/>
-  </ds:schemaRefs>
-</ds:datastoreItem>
-</file>
-
-<file path=customXml/itemProps2.xml><?xml version="1.0" encoding="utf-8"?>
 <ds:datastoreItem xmlns:ds="http://schemas.openxmlformats.org/officeDocument/2006/customXml" ds:itemID="{4CE6AE62-C473-4B6D-974E-3E8763858957}">
   <ds:schemaRefs>
     <ds:schemaRef ds:uri="http://schemas.microsoft.com/office/2006/metadata/contentType"/>
@@ -23464,6 +23663,14 @@
     <ds:schemaRef ds:uri="http://purl.org/dc/elements/1.1/"/>
     <ds:schemaRef ds:uri="http://purl.org/dc/terms/"/>
     <ds:schemaRef ds:uri="http://schemas.microsoft.com/internal/obd"/>
+  </ds:schemaRefs>
+</ds:datastoreItem>
+</file>
+
+<file path=customXml/itemProps2.xml><?xml version="1.0" encoding="utf-8"?>
+<ds:datastoreItem xmlns:ds="http://schemas.openxmlformats.org/officeDocument/2006/customXml" ds:itemID="{7F6FC0EA-AE4A-4118-A4DA-68A67AAF9DBA}">
+  <ds:schemaRefs>
+    <ds:schemaRef ds:uri="http://schemas.microsoft.com/sharepoint/v3/contenttype/forms"/>
   </ds:schemaRefs>
 </ds:datastoreItem>
 </file>

--- a/Slide/DigitalInkMiniGameNotifiche.pptx
+++ b/Slide/DigitalInkMiniGameNotifiche.pptx
@@ -805,7 +805,7 @@
           <a:p>
             <a:fld id="{3D879769-3978-49F5-A8F0-63B0CD0DBFCD}" type="datetime1">
               <a:rPr lang="it-IT" smtClean="0"/>
-              <a:t>24/06/2021</a:t>
+              <a:t>25/06/2021</a:t>
             </a:fld>
             <a:endParaRPr lang="it-IT"/>
           </a:p>
@@ -1034,7 +1034,7 @@
           <a:p>
             <a:fld id="{B676431C-B002-4165-B42A-0E7F7930A3D2}" type="datetime1">
               <a:rPr lang="it-IT" smtClean="0"/>
-              <a:t>24/06/2021</a:t>
+              <a:t>25/06/2021</a:t>
             </a:fld>
             <a:endParaRPr lang="it-IT" dirty="0"/>
           </a:p>
@@ -1399,7 +1399,7 @@
           <a:p>
             <a:fld id="{B676431C-B002-4165-B42A-0E7F7930A3D2}" type="datetime1">
               <a:rPr lang="it-IT" smtClean="0"/>
-              <a:t>24/06/2021</a:t>
+              <a:t>25/06/2021</a:t>
             </a:fld>
             <a:endParaRPr lang="it-IT"/>
           </a:p>
@@ -1458,7 +1458,7 @@
           <a:p>
             <a:fld id="{B8965647-9F98-4F3B-BE46-7CDECE950A8D}" type="datetime1">
               <a:rPr lang="it-IT" smtClean="0"/>
-              <a:t>24/06/2021</a:t>
+              <a:t>25/06/2021</a:t>
             </a:fld>
             <a:endParaRPr lang="it-IT"/>
           </a:p>
@@ -1744,7 +1744,7 @@
           <a:p>
             <a:fld id="{782F8B32-FABF-422D-89BB-9239702D2D84}" type="datetime1">
               <a:rPr lang="it-IT" smtClean="0"/>
-              <a:t>24/06/2021</a:t>
+              <a:t>25/06/2021</a:t>
             </a:fld>
             <a:endParaRPr lang="it-IT"/>
           </a:p>
@@ -1960,7 +1960,7 @@
           <a:p>
             <a:fld id="{B8965647-9F98-4F3B-BE46-7CDECE950A8D}" type="datetime1">
               <a:rPr lang="it-IT" smtClean="0"/>
-              <a:t>24/06/2021</a:t>
+              <a:t>25/06/2021</a:t>
             </a:fld>
             <a:endParaRPr lang="it-IT"/>
           </a:p>
@@ -2485,7 +2485,7 @@
           <a:p>
             <a:fld id="{B676431C-B002-4165-B42A-0E7F7930A3D2}" type="datetime1">
               <a:rPr lang="it-IT" smtClean="0"/>
-              <a:t>24/06/2021</a:t>
+              <a:t>25/06/2021</a:t>
             </a:fld>
             <a:endParaRPr lang="it-IT" dirty="0"/>
           </a:p>
@@ -2687,7 +2687,7 @@
           <a:p>
             <a:fld id="{B676431C-B002-4165-B42A-0E7F7930A3D2}" type="datetime1">
               <a:rPr lang="it-IT" smtClean="0"/>
-              <a:t>24/06/2021</a:t>
+              <a:t>25/06/2021</a:t>
             </a:fld>
             <a:endParaRPr lang="it-IT" dirty="0"/>
           </a:p>
@@ -2898,7 +2898,7 @@
           <a:p>
             <a:fld id="{B676431C-B002-4165-B42A-0E7F7930A3D2}" type="datetime1">
               <a:rPr lang="it-IT" smtClean="0"/>
-              <a:t>24/06/2021</a:t>
+              <a:t>25/06/2021</a:t>
             </a:fld>
             <a:endParaRPr lang="it-IT" dirty="0"/>
           </a:p>
@@ -3398,7 +3398,7 @@
           <a:p>
             <a:fld id="{B676431C-B002-4165-B42A-0E7F7930A3D2}" type="datetime1">
               <a:rPr lang="it-IT" smtClean="0"/>
-              <a:t>24/06/2021</a:t>
+              <a:t>25/06/2021</a:t>
             </a:fld>
             <a:endParaRPr lang="it-IT" dirty="0"/>
           </a:p>
@@ -6167,7 +6167,7 @@
           <a:p>
             <a:fld id="{B676431C-B002-4165-B42A-0E7F7930A3D2}" type="datetime1">
               <a:rPr lang="it-IT" smtClean="0"/>
-              <a:t>24/06/2021</a:t>
+              <a:t>25/06/2021</a:t>
             </a:fld>
             <a:endParaRPr lang="it-IT" dirty="0"/>
           </a:p>
@@ -8114,7 +8114,7 @@
           <a:p>
             <a:fld id="{B676431C-B002-4165-B42A-0E7F7930A3D2}" type="datetime1">
               <a:rPr lang="it-IT" smtClean="0"/>
-              <a:t>24/06/2021</a:t>
+              <a:t>25/06/2021</a:t>
             </a:fld>
             <a:endParaRPr lang="it-IT" dirty="0"/>
           </a:p>
@@ -8332,7 +8332,7 @@
           <a:p>
             <a:fld id="{B676431C-B002-4165-B42A-0E7F7930A3D2}" type="datetime1">
               <a:rPr lang="it-IT" smtClean="0"/>
-              <a:t>24/06/2021</a:t>
+              <a:t>25/06/2021</a:t>
             </a:fld>
             <a:endParaRPr lang="it-IT" dirty="0"/>
           </a:p>
@@ -10329,7 +10329,7 @@
           <a:p>
             <a:fld id="{B676431C-B002-4165-B42A-0E7F7930A3D2}" type="datetime1">
               <a:rPr lang="it-IT" smtClean="0"/>
-              <a:t>24/06/2021</a:t>
+              <a:t>25/06/2021</a:t>
             </a:fld>
             <a:endParaRPr lang="it-IT" dirty="0"/>
           </a:p>
@@ -12496,7 +12496,7 @@
           <a:p>
             <a:fld id="{B676431C-B002-4165-B42A-0E7F7930A3D2}" type="datetime1">
               <a:rPr lang="it-IT" smtClean="0"/>
-              <a:t>24/06/2021</a:t>
+              <a:t>25/06/2021</a:t>
             </a:fld>
             <a:endParaRPr lang="it-IT" dirty="0"/>
           </a:p>
@@ -12740,7 +12740,7 @@
           <a:p>
             <a:fld id="{B676431C-B002-4165-B42A-0E7F7930A3D2}" type="datetime1">
               <a:rPr lang="it-IT" smtClean="0"/>
-              <a:t>24/06/2021</a:t>
+              <a:t>25/06/2021</a:t>
             </a:fld>
             <a:endParaRPr lang="it-IT" dirty="0"/>
           </a:p>
@@ -14814,7 +14814,7 @@
           <a:p>
             <a:fld id="{B676431C-B002-4165-B42A-0E7F7930A3D2}" type="datetime1">
               <a:rPr lang="it-IT" smtClean="0"/>
-              <a:t>24/06/2021</a:t>
+              <a:t>25/06/2021</a:t>
             </a:fld>
             <a:endParaRPr lang="it-IT" dirty="0"/>
           </a:p>
@@ -17016,7 +17016,7 @@
           <a:p>
             <a:fld id="{B676431C-B002-4165-B42A-0E7F7930A3D2}" type="datetime1">
               <a:rPr lang="it-IT" smtClean="0"/>
-              <a:t>24/06/2021</a:t>
+              <a:t>25/06/2021</a:t>
             </a:fld>
             <a:endParaRPr lang="it-IT" dirty="0"/>
           </a:p>
@@ -17265,7 +17265,7 @@
           <a:p>
             <a:fld id="{B676431C-B002-4165-B42A-0E7F7930A3D2}" type="datetime1">
               <a:rPr lang="it-IT" smtClean="0"/>
-              <a:t>24/06/2021</a:t>
+              <a:t>25/06/2021</a:t>
             </a:fld>
             <a:endParaRPr lang="it-IT" dirty="0"/>
           </a:p>
@@ -19195,7 +19195,7 @@
           <a:p>
             <a:fld id="{B676431C-B002-4165-B42A-0E7F7930A3D2}" type="datetime1">
               <a:rPr lang="it-IT" smtClean="0"/>
-              <a:t>24/06/2021</a:t>
+              <a:t>25/06/2021</a:t>
             </a:fld>
             <a:endParaRPr lang="it-IT" dirty="0"/>
           </a:p>
@@ -19403,7 +19403,7 @@
           <a:p>
             <a:fld id="{B676431C-B002-4165-B42A-0E7F7930A3D2}" type="datetime1">
               <a:rPr lang="it-IT" smtClean="0"/>
-              <a:t>24/06/2021</a:t>
+              <a:t>25/06/2021</a:t>
             </a:fld>
             <a:endParaRPr lang="it-IT" dirty="0"/>
           </a:p>
@@ -19662,7 +19662,7 @@
           <a:p>
             <a:fld id="{B676431C-B002-4165-B42A-0E7F7930A3D2}" type="datetime1">
               <a:rPr lang="it-IT" smtClean="0"/>
-              <a:t>24/06/2021</a:t>
+              <a:t>25/06/2021</a:t>
             </a:fld>
             <a:endParaRPr lang="it-IT" dirty="0"/>
           </a:p>
@@ -20109,7 +20109,7 @@
           <a:p>
             <a:fld id="{B676431C-B002-4165-B42A-0E7F7930A3D2}" type="datetime1">
               <a:rPr lang="it-IT" smtClean="0"/>
-              <a:t>24/06/2021</a:t>
+              <a:t>25/06/2021</a:t>
             </a:fld>
             <a:endParaRPr lang="it-IT" dirty="0"/>
           </a:p>
@@ -20619,7 +20619,7 @@
           <a:p>
             <a:fld id="{B676431C-B002-4165-B42A-0E7F7930A3D2}" type="datetime1">
               <a:rPr lang="it-IT" smtClean="0"/>
-              <a:t>24/06/2021</a:t>
+              <a:t>25/06/2021</a:t>
             </a:fld>
             <a:endParaRPr lang="it-IT" dirty="0"/>
           </a:p>
@@ -20841,7 +20841,7 @@
           <a:p>
             <a:fld id="{B676431C-B002-4165-B42A-0E7F7930A3D2}" type="datetime1">
               <a:rPr lang="it-IT" smtClean="0"/>
-              <a:t>24/06/2021</a:t>
+              <a:t>25/06/2021</a:t>
             </a:fld>
             <a:endParaRPr lang="it-IT" dirty="0"/>
           </a:p>
@@ -21084,7 +21084,7 @@
           <a:p>
             <a:fld id="{B676431C-B002-4165-B42A-0E7F7930A3D2}" type="datetime1">
               <a:rPr lang="it-IT" smtClean="0"/>
-              <a:t>24/06/2021</a:t>
+              <a:t>25/06/2021</a:t>
             </a:fld>
             <a:endParaRPr lang="it-IT" dirty="0"/>
           </a:p>
@@ -21323,7 +21323,7 @@
           <a:p>
             <a:fld id="{B676431C-B002-4165-B42A-0E7F7930A3D2}" type="datetime1">
               <a:rPr lang="it-IT" smtClean="0"/>
-              <a:t>24/06/2021</a:t>
+              <a:t>25/06/2021</a:t>
             </a:fld>
             <a:endParaRPr lang="it-IT" dirty="0"/>
           </a:p>
@@ -21504,7 +21504,7 @@
           <a:p>
             <a:fld id="{B676431C-B002-4165-B42A-0E7F7930A3D2}" type="datetime1">
               <a:rPr lang="it-IT" smtClean="0"/>
-              <a:t>24/06/2021</a:t>
+              <a:t>25/06/2021</a:t>
             </a:fld>
             <a:endParaRPr lang="it-IT" dirty="0"/>
           </a:p>
@@ -21747,7 +21747,7 @@
           <a:p>
             <a:fld id="{B676431C-B002-4165-B42A-0E7F7930A3D2}" type="datetime1">
               <a:rPr lang="it-IT" smtClean="0"/>
-              <a:t>24/06/2021</a:t>
+              <a:t>25/06/2021</a:t>
             </a:fld>
             <a:endParaRPr lang="it-IT" dirty="0"/>
           </a:p>
@@ -21979,7 +21979,7 @@
           <a:p>
             <a:fld id="{B676431C-B002-4165-B42A-0E7F7930A3D2}" type="datetime1">
               <a:rPr lang="it-IT" smtClean="0"/>
-              <a:t>24/06/2021</a:t>
+              <a:t>25/06/2021</a:t>
             </a:fld>
             <a:endParaRPr lang="it-IT" dirty="0"/>
           </a:p>
@@ -22219,7 +22219,7 @@
           <a:p>
             <a:fld id="{B676431C-B002-4165-B42A-0E7F7930A3D2}" type="datetime1">
               <a:rPr lang="it-IT" smtClean="0"/>
-              <a:t>24/06/2021</a:t>
+              <a:t>25/06/2021</a:t>
             </a:fld>
             <a:endParaRPr lang="it-IT" dirty="0"/>
           </a:p>
@@ -22460,7 +22460,7 @@
           <a:p>
             <a:fld id="{B676431C-B002-4165-B42A-0E7F7930A3D2}" type="datetime1">
               <a:rPr lang="it-IT" smtClean="0"/>
-              <a:t>24/06/2021</a:t>
+              <a:t>25/06/2021</a:t>
             </a:fld>
             <a:endParaRPr lang="it-IT" dirty="0"/>
           </a:p>
@@ -22689,7 +22689,7 @@
           <a:p>
             <a:fld id="{B676431C-B002-4165-B42A-0E7F7930A3D2}" type="datetime1">
               <a:rPr lang="it-IT" smtClean="0"/>
-              <a:t>24/06/2021</a:t>
+              <a:t>25/06/2021</a:t>
             </a:fld>
             <a:endParaRPr lang="it-IT" dirty="0"/>
           </a:p>
@@ -22952,7 +22952,7 @@
           <a:p>
             <a:fld id="{B676431C-B002-4165-B42A-0E7F7930A3D2}" type="datetime1">
               <a:rPr lang="it-IT" smtClean="0"/>
-              <a:t>24/06/2021</a:t>
+              <a:t>25/06/2021</a:t>
             </a:fld>
             <a:endParaRPr lang="it-IT" dirty="0"/>
           </a:p>
@@ -23026,7 +23026,7 @@
             </a:r>
             <a:r>
               <a:rPr lang="it-IT" dirty="0" err="1"/>
-              <a:t>DigitalIRecognizerHandler</a:t>
+              <a:t>DigitalRecognizerHandler</a:t>
             </a:r>
             <a:endParaRPr lang="it-IT" dirty="0"/>
           </a:p>
@@ -23172,7 +23172,7 @@
           <a:p>
             <a:fld id="{B676431C-B002-4165-B42A-0E7F7930A3D2}" type="datetime1">
               <a:rPr lang="it-IT" smtClean="0"/>
-              <a:t>24/06/2021</a:t>
+              <a:t>25/06/2021</a:t>
             </a:fld>
             <a:endParaRPr lang="it-IT" dirty="0"/>
           </a:p>
@@ -23497,6 +23497,15 @@
 </file>
 
 <file path=customXml/item1.xml><?xml version="1.0" encoding="utf-8"?>
+<?mso-contentType ?>
+<FormTemplates xmlns="http://schemas.microsoft.com/sharepoint/v3/contenttype/forms">
+  <Display>DocumentLibraryForm</Display>
+  <Edit>DocumentLibraryForm</Edit>
+  <New>DocumentLibraryForm</New>
+</FormTemplates>
+</file>
+
+<file path=customXml/item2.xml><?xml version="1.0" encoding="utf-8"?>
 <ct:contentTypeSchema xmlns:ct="http://schemas.microsoft.com/office/2006/metadata/contentType" xmlns:ma="http://schemas.microsoft.com/office/2006/metadata/properties/metaAttributes" ct:_="" ma:_="" ma:contentTypeName="Documento" ma:contentTypeID="0x010100FEC235982B21BD4799EB2D1225EE75B3" ma:contentTypeVersion="3" ma:contentTypeDescription="Creare un nuovo documento." ma:contentTypeScope="" ma:versionID="2b236644812c200386af6e3c1d1a332e">
   <xsd:schema xmlns:xsd="http://www.w3.org/2001/XMLSchema" xmlns:xs="http://www.w3.org/2001/XMLSchema" xmlns:p="http://schemas.microsoft.com/office/2006/metadata/properties" xmlns:ns2="bfa65c32-7bbb-4785-abd8-3c11c84fb49f" targetNamespace="http://schemas.microsoft.com/office/2006/metadata/properties" ma:root="true" ma:fieldsID="a47e8fad2e8eb954d83e6663abec1f4b" ns2:_="">
     <xsd:import namespace="bfa65c32-7bbb-4785-abd8-3c11c84fb49f"/>
@@ -23634,15 +23643,6 @@
 </ct:contentTypeSchema>
 </file>
 
-<file path=customXml/item2.xml><?xml version="1.0" encoding="utf-8"?>
-<?mso-contentType ?>
-<FormTemplates xmlns="http://schemas.microsoft.com/sharepoint/v3/contenttype/forms">
-  <Display>DocumentLibraryForm</Display>
-  <Edit>DocumentLibraryForm</Edit>
-  <New>DocumentLibraryForm</New>
-</FormTemplates>
-</file>
-
 <file path=customXml/item3.xml><?xml version="1.0" encoding="utf-8"?>
 <p:properties xmlns:p="http://schemas.microsoft.com/office/2006/metadata/properties" xmlns:xsi="http://www.w3.org/2001/XMLSchema-instance" xmlns:pc="http://schemas.microsoft.com/office/infopath/2007/PartnerControls">
   <documentManagement/>
@@ -23650,6 +23650,14 @@
 </file>
 
 <file path=customXml/itemProps1.xml><?xml version="1.0" encoding="utf-8"?>
+<ds:datastoreItem xmlns:ds="http://schemas.openxmlformats.org/officeDocument/2006/customXml" ds:itemID="{7F6FC0EA-AE4A-4118-A4DA-68A67AAF9DBA}">
+  <ds:schemaRefs>
+    <ds:schemaRef ds:uri="http://schemas.microsoft.com/sharepoint/v3/contenttype/forms"/>
+  </ds:schemaRefs>
+</ds:datastoreItem>
+</file>
+
+<file path=customXml/itemProps2.xml><?xml version="1.0" encoding="utf-8"?>
 <ds:datastoreItem xmlns:ds="http://schemas.openxmlformats.org/officeDocument/2006/customXml" ds:itemID="{4CE6AE62-C473-4B6D-974E-3E8763858957}">
   <ds:schemaRefs>
     <ds:schemaRef ds:uri="http://schemas.microsoft.com/office/2006/metadata/contentType"/>
@@ -23667,26 +23675,18 @@
 </ds:datastoreItem>
 </file>
 
-<file path=customXml/itemProps2.xml><?xml version="1.0" encoding="utf-8"?>
-<ds:datastoreItem xmlns:ds="http://schemas.openxmlformats.org/officeDocument/2006/customXml" ds:itemID="{7F6FC0EA-AE4A-4118-A4DA-68A67AAF9DBA}">
-  <ds:schemaRefs>
-    <ds:schemaRef ds:uri="http://schemas.microsoft.com/sharepoint/v3/contenttype/forms"/>
-  </ds:schemaRefs>
-</ds:datastoreItem>
-</file>
-
 <file path=customXml/itemProps3.xml><?xml version="1.0" encoding="utf-8"?>
 <ds:datastoreItem xmlns:ds="http://schemas.openxmlformats.org/officeDocument/2006/customXml" ds:itemID="{0B1E375B-9CB5-4309-B1FC-519751CF564D}">
   <ds:schemaRefs>
-    <ds:schemaRef ds:uri="http://www.w3.org/XML/1998/namespace"/>
+    <ds:schemaRef ds:uri="http://schemas.microsoft.com/office/2006/metadata/properties"/>
+    <ds:schemaRef ds:uri="http://purl.org/dc/dcmitype/"/>
+    <ds:schemaRef ds:uri="http://schemas.microsoft.com/office/2006/documentManagement/types"/>
     <ds:schemaRef ds:uri="http://purl.org/dc/terms/"/>
-    <ds:schemaRef ds:uri="http://schemas.microsoft.com/office/2006/documentManagement/types"/>
-    <ds:schemaRef ds:uri="http://purl.org/dc/dcmitype/"/>
-    <ds:schemaRef ds:uri="bfa65c32-7bbb-4785-abd8-3c11c84fb49f"/>
     <ds:schemaRef ds:uri="http://purl.org/dc/elements/1.1/"/>
     <ds:schemaRef ds:uri="http://schemas.microsoft.com/office/infopath/2007/PartnerControls"/>
     <ds:schemaRef ds:uri="http://schemas.openxmlformats.org/package/2006/metadata/core-properties"/>
-    <ds:schemaRef ds:uri="http://schemas.microsoft.com/office/2006/metadata/properties"/>
+    <ds:schemaRef ds:uri="bfa65c32-7bbb-4785-abd8-3c11c84fb49f"/>
+    <ds:schemaRef ds:uri="http://www.w3.org/XML/1998/namespace"/>
   </ds:schemaRefs>
 </ds:datastoreItem>
 </file>